--- a/Installing Geopandas on Windows When.pptx
+++ b/Installing Geopandas on Windows When.pptx
@@ -8,7 +8,8 @@
     <p:sldId id="256" r:id="rId2"/>
     <p:sldId id="257" r:id="rId3"/>
     <p:sldId id="258" r:id="rId4"/>
-    <p:sldId id="259" r:id="rId5"/>
+    <p:sldId id="260" r:id="rId5"/>
+    <p:sldId id="259" r:id="rId6"/>
   </p:sldIdLst>
   <p:sldSz cx="12192000" cy="6858000"/>
   <p:notesSz cx="6858000" cy="9144000"/>
@@ -107,6 +108,11 @@
       </a:defRPr>
     </a:lvl9pPr>
   </p:defaultTextStyle>
+  <p:extLst>
+    <p:ext uri="{EFAFB233-063F-42B5-8137-9DF3F51BA10A}">
+      <p15:sldGuideLst xmlns:p15="http://schemas.microsoft.com/office/powerpoint/2012/main"/>
+    </p:ext>
+  </p:extLst>
 </p:presentation>
 </file>
 
@@ -257,7 +263,7 @@
           <a:p>
             <a:fld id="{EF9193D3-E6B6-4880-BF47-6A5BC3BCCA98}" type="datetimeFigureOut">
               <a:rPr lang="en-US" smtClean="0"/>
-              <a:t>10/15/2021</a:t>
+              <a:t>12/29/2021</a:t>
             </a:fld>
             <a:endParaRPr lang="en-US"/>
           </a:p>
@@ -455,7 +461,7 @@
           <a:p>
             <a:fld id="{EF9193D3-E6B6-4880-BF47-6A5BC3BCCA98}" type="datetimeFigureOut">
               <a:rPr lang="en-US" smtClean="0"/>
-              <a:t>10/15/2021</a:t>
+              <a:t>12/29/2021</a:t>
             </a:fld>
             <a:endParaRPr lang="en-US"/>
           </a:p>
@@ -663,7 +669,7 @@
           <a:p>
             <a:fld id="{EF9193D3-E6B6-4880-BF47-6A5BC3BCCA98}" type="datetimeFigureOut">
               <a:rPr lang="en-US" smtClean="0"/>
-              <a:t>10/15/2021</a:t>
+              <a:t>12/29/2021</a:t>
             </a:fld>
             <a:endParaRPr lang="en-US"/>
           </a:p>
@@ -861,7 +867,7 @@
           <a:p>
             <a:fld id="{EF9193D3-E6B6-4880-BF47-6A5BC3BCCA98}" type="datetimeFigureOut">
               <a:rPr lang="en-US" smtClean="0"/>
-              <a:t>10/15/2021</a:t>
+              <a:t>12/29/2021</a:t>
             </a:fld>
             <a:endParaRPr lang="en-US"/>
           </a:p>
@@ -1136,7 +1142,7 @@
           <a:p>
             <a:fld id="{EF9193D3-E6B6-4880-BF47-6A5BC3BCCA98}" type="datetimeFigureOut">
               <a:rPr lang="en-US" smtClean="0"/>
-              <a:t>10/15/2021</a:t>
+              <a:t>12/29/2021</a:t>
             </a:fld>
             <a:endParaRPr lang="en-US"/>
           </a:p>
@@ -1401,7 +1407,7 @@
           <a:p>
             <a:fld id="{EF9193D3-E6B6-4880-BF47-6A5BC3BCCA98}" type="datetimeFigureOut">
               <a:rPr lang="en-US" smtClean="0"/>
-              <a:t>10/15/2021</a:t>
+              <a:t>12/29/2021</a:t>
             </a:fld>
             <a:endParaRPr lang="en-US"/>
           </a:p>
@@ -1813,7 +1819,7 @@
           <a:p>
             <a:fld id="{EF9193D3-E6B6-4880-BF47-6A5BC3BCCA98}" type="datetimeFigureOut">
               <a:rPr lang="en-US" smtClean="0"/>
-              <a:t>10/15/2021</a:t>
+              <a:t>12/29/2021</a:t>
             </a:fld>
             <a:endParaRPr lang="en-US"/>
           </a:p>
@@ -1954,7 +1960,7 @@
           <a:p>
             <a:fld id="{EF9193D3-E6B6-4880-BF47-6A5BC3BCCA98}" type="datetimeFigureOut">
               <a:rPr lang="en-US" smtClean="0"/>
-              <a:t>10/15/2021</a:t>
+              <a:t>12/29/2021</a:t>
             </a:fld>
             <a:endParaRPr lang="en-US"/>
           </a:p>
@@ -2067,7 +2073,7 @@
           <a:p>
             <a:fld id="{EF9193D3-E6B6-4880-BF47-6A5BC3BCCA98}" type="datetimeFigureOut">
               <a:rPr lang="en-US" smtClean="0"/>
-              <a:t>10/15/2021</a:t>
+              <a:t>12/29/2021</a:t>
             </a:fld>
             <a:endParaRPr lang="en-US"/>
           </a:p>
@@ -2378,7 +2384,7 @@
           <a:p>
             <a:fld id="{EF9193D3-E6B6-4880-BF47-6A5BC3BCCA98}" type="datetimeFigureOut">
               <a:rPr lang="en-US" smtClean="0"/>
-              <a:t>10/15/2021</a:t>
+              <a:t>12/29/2021</a:t>
             </a:fld>
             <a:endParaRPr lang="en-US"/>
           </a:p>
@@ -2666,7 +2672,7 @@
           <a:p>
             <a:fld id="{EF9193D3-E6B6-4880-BF47-6A5BC3BCCA98}" type="datetimeFigureOut">
               <a:rPr lang="en-US" smtClean="0"/>
-              <a:t>10/15/2021</a:t>
+              <a:t>12/29/2021</a:t>
             </a:fld>
             <a:endParaRPr lang="en-US"/>
           </a:p>
@@ -2907,7 +2913,7 @@
           <a:p>
             <a:fld id="{EF9193D3-E6B6-4880-BF47-6A5BC3BCCA98}" type="datetimeFigureOut">
               <a:rPr lang="en-US" smtClean="0"/>
-              <a:t>10/15/2021</a:t>
+              <a:t>12/29/2021</a:t>
             </a:fld>
             <a:endParaRPr lang="en-US"/>
           </a:p>
@@ -3491,10 +3497,9 @@
               <a:buChar char="-"/>
             </a:pPr>
             <a:r>
-              <a:rPr lang="en-US" dirty="0" err="1"/>
-              <a:t>fiona</a:t>
-            </a:r>
-            <a:endParaRPr lang="en-US" dirty="0"/>
+              <a:rPr lang="en-US" dirty="0"/>
+              <a:t>GDAL</a:t>
+            </a:r>
           </a:p>
           <a:p>
             <a:pPr lvl="1">
@@ -3503,7 +3508,7 @@
             </a:pPr>
             <a:r>
               <a:rPr lang="en-US" dirty="0"/>
-              <a:t>GDAL</a:t>
+              <a:t>Fiona</a:t>
             </a:r>
           </a:p>
           <a:p>
@@ -3602,13 +3607,20 @@
             <p:ph type="title"/>
           </p:nvPr>
         </p:nvSpPr>
-        <p:spPr/>
-        <p:txBody>
-          <a:bodyPr/>
-          <a:lstStyle/>
-          <a:p>
-            <a:r>
-              <a:rPr lang="en-US" dirty="0"/>
+        <p:spPr>
+          <a:xfrm>
+            <a:off x="0" y="284612"/>
+            <a:ext cx="10515600" cy="1325563"/>
+          </a:xfrm>
+        </p:spPr>
+        <p:txBody>
+          <a:bodyPr>
+            <a:normAutofit/>
+          </a:bodyPr>
+          <a:lstStyle/>
+          <a:p>
+            <a:r>
+              <a:rPr lang="en-US" sz="3600" dirty="0"/>
               <a:t>Installing Via Wheel</a:t>
             </a:r>
           </a:p>
@@ -3646,11 +3658,27 @@
             </a:pPr>
             <a:r>
               <a:rPr lang="en-US" dirty="0"/>
-              <a:t>Get your python version. “</a:t>
+              <a:t>Get your system type. “</a:t>
             </a:r>
             <a:r>
               <a:rPr lang="en-US" i="1" dirty="0"/>
-              <a:t>python – version”</a:t>
+              <a:t>wmic </a:t>
+            </a:r>
+            <a:r>
+              <a:rPr lang="en-US" i="1" dirty="0" err="1"/>
+              <a:t>computersystem</a:t>
+            </a:r>
+            <a:r>
+              <a:rPr lang="en-US" i="1" dirty="0"/>
+              <a:t> get </a:t>
+            </a:r>
+            <a:r>
+              <a:rPr lang="en-US" i="1" dirty="0" err="1"/>
+              <a:t>systemtype</a:t>
+            </a:r>
+            <a:r>
+              <a:rPr lang="en-US" dirty="0"/>
+              <a:t>”</a:t>
             </a:r>
           </a:p>
           <a:p>
@@ -3660,6 +3688,20 @@
             </a:pPr>
             <a:r>
               <a:rPr lang="en-US" dirty="0"/>
+              <a:t>Get your python version. “</a:t>
+            </a:r>
+            <a:r>
+              <a:rPr lang="en-US" i="1" dirty="0"/>
+              <a:t>python --version”</a:t>
+            </a:r>
+          </a:p>
+          <a:p>
+            <a:pPr marL="514350" indent="-514350">
+              <a:buFont typeface="+mj-lt"/>
+              <a:buAutoNum type="arabicPeriod"/>
+            </a:pPr>
+            <a:r>
+              <a:rPr lang="en-US" dirty="0"/>
               <a:t>Find the wheel you need from </a:t>
             </a:r>
             <a:r>
@@ -3717,12 +3759,120 @@
           </a:p>
         </p:txBody>
       </p:sp>
+      <p:sp>
+        <p:nvSpPr>
+          <p:cNvPr id="8" name="TextBox 7">
+            <a:extLst>
+              <a:ext uri="{FF2B5EF4-FFF2-40B4-BE49-F238E27FC236}">
+                <a16:creationId xmlns:a16="http://schemas.microsoft.com/office/drawing/2014/main" id="{F93728D8-B2AA-4949-8A36-7C5DFE62BDFB}"/>
+              </a:ext>
+            </a:extLst>
+          </p:cNvPr>
+          <p:cNvSpPr txBox="1"/>
+          <p:nvPr/>
+        </p:nvSpPr>
+        <p:spPr>
+          <a:xfrm>
+            <a:off x="6634132" y="3469283"/>
+            <a:ext cx="4701865" cy="646331"/>
+          </a:xfrm>
+          <a:prstGeom prst="rect">
+            <a:avLst/>
+          </a:prstGeom>
+          <a:noFill/>
+        </p:spPr>
+        <p:txBody>
+          <a:bodyPr wrap="none" rtlCol="0">
+            <a:spAutoFit/>
+          </a:bodyPr>
+          <a:lstStyle/>
+          <a:p>
+            <a:r>
+              <a:rPr lang="en-US" b="1" dirty="0"/>
+              <a:t>“Package – Package – Python – 32 bit or    .</a:t>
+            </a:r>
+            <a:r>
+              <a:rPr lang="en-US" b="1" dirty="0" err="1"/>
+              <a:t>whl</a:t>
+            </a:r>
+            <a:r>
+              <a:rPr lang="en-US" b="1" dirty="0"/>
+              <a:t>”</a:t>
+            </a:r>
+          </a:p>
+          <a:p>
+            <a:r>
+              <a:rPr lang="en-US" b="1" dirty="0"/>
+              <a:t>  Name        Version     Version    64 bit PC</a:t>
+            </a:r>
+          </a:p>
+        </p:txBody>
+      </p:sp>
+      <p:sp>
+        <p:nvSpPr>
+          <p:cNvPr id="9" name="TextBox 8">
+            <a:extLst>
+              <a:ext uri="{FF2B5EF4-FFF2-40B4-BE49-F238E27FC236}">
+                <a16:creationId xmlns:a16="http://schemas.microsoft.com/office/drawing/2014/main" id="{5DB99219-FDFF-4E8D-A9B8-55EE0D2D899E}"/>
+              </a:ext>
+            </a:extLst>
+          </p:cNvPr>
+          <p:cNvSpPr txBox="1"/>
+          <p:nvPr/>
+        </p:nvSpPr>
+        <p:spPr>
+          <a:xfrm>
+            <a:off x="361439" y="5759272"/>
+            <a:ext cx="6380914" cy="584775"/>
+          </a:xfrm>
+          <a:prstGeom prst="rect">
+            <a:avLst/>
+          </a:prstGeom>
+          <a:noFill/>
+        </p:spPr>
+        <p:txBody>
+          <a:bodyPr wrap="none" rtlCol="0">
+            <a:spAutoFit/>
+          </a:bodyPr>
+          <a:lstStyle/>
+          <a:p>
+            <a:r>
+              <a:rPr lang="en-US" sz="3200" dirty="0"/>
+              <a:t>Do this for </a:t>
+            </a:r>
+            <a:r>
+              <a:rPr lang="en-US" sz="3200" b="1" dirty="0"/>
+              <a:t>GDAL</a:t>
+            </a:r>
+            <a:r>
+              <a:rPr lang="en-US" sz="3200" dirty="0"/>
+              <a:t> </a:t>
+            </a:r>
+            <a:r>
+              <a:rPr lang="en-US" sz="3200" i="1" u="sng" dirty="0"/>
+              <a:t>first</a:t>
+            </a:r>
+            <a:r>
+              <a:rPr lang="en-US" sz="3200" dirty="0"/>
+              <a:t> and then </a:t>
+            </a:r>
+            <a:r>
+              <a:rPr lang="en-US" sz="3200" b="1" dirty="0" err="1"/>
+              <a:t>fiona</a:t>
+            </a:r>
+            <a:r>
+              <a:rPr lang="en-US" sz="3200" dirty="0"/>
+              <a:t>!</a:t>
+            </a:r>
+          </a:p>
+        </p:txBody>
+      </p:sp>
       <p:pic>
         <p:nvPicPr>
-          <p:cNvPr id="5" name="Picture 4">
-            <a:extLst>
-              <a:ext uri="{FF2B5EF4-FFF2-40B4-BE49-F238E27FC236}">
-                <a16:creationId xmlns:a16="http://schemas.microsoft.com/office/drawing/2014/main" id="{474D9EC0-DD75-47BA-9C75-4BC73394D4E2}"/>
+          <p:cNvPr id="16" name="Picture 15">
+            <a:extLst>
+              <a:ext uri="{FF2B5EF4-FFF2-40B4-BE49-F238E27FC236}">
+                <a16:creationId xmlns:a16="http://schemas.microsoft.com/office/drawing/2014/main" id="{350861CF-DD7D-4C10-9920-34C0C22B1DB4}"/>
               </a:ext>
             </a:extLst>
           </p:cNvPr>
@@ -3739,8 +3889,8 @@
         </p:blipFill>
         <p:spPr>
           <a:xfrm>
-            <a:off x="7652532" y="395825"/>
-            <a:ext cx="4286250" cy="2305050"/>
+            <a:off x="4531116" y="115021"/>
+            <a:ext cx="7534275" cy="1562100"/>
           </a:xfrm>
           <a:prstGeom prst="rect">
             <a:avLst/>
@@ -3749,10 +3899,10 @@
       </p:pic>
       <p:pic>
         <p:nvPicPr>
-          <p:cNvPr id="7" name="Picture 6">
-            <a:extLst>
-              <a:ext uri="{FF2B5EF4-FFF2-40B4-BE49-F238E27FC236}">
-                <a16:creationId xmlns:a16="http://schemas.microsoft.com/office/drawing/2014/main" id="{D8D7B604-0683-4FC4-BB0A-081902395582}"/>
+          <p:cNvPr id="18" name="Picture 17">
+            <a:extLst>
+              <a:ext uri="{FF2B5EF4-FFF2-40B4-BE49-F238E27FC236}">
+                <a16:creationId xmlns:a16="http://schemas.microsoft.com/office/drawing/2014/main" id="{81C5A565-8C72-47DF-B512-5913E77C3EFA}"/>
               </a:ext>
             </a:extLst>
           </p:cNvPr>
@@ -3761,15 +3911,16 @@
           </p:cNvPicPr>
           <p:nvPr/>
         </p:nvPicPr>
-        <p:blipFill rotWithShape="1">
+        <p:blipFill>
           <a:blip r:embed="rId4"/>
-          <a:srcRect r="2315"/>
-          <a:stretch/>
+          <a:stretch>
+            <a:fillRect/>
+          </a:stretch>
         </p:blipFill>
         <p:spPr>
           <a:xfrm>
-            <a:off x="6850573" y="3794368"/>
-            <a:ext cx="5341427" cy="1870644"/>
+            <a:off x="6929525" y="4151495"/>
+            <a:ext cx="5009257" cy="2421893"/>
           </a:xfrm>
           <a:prstGeom prst="rect">
             <a:avLst/>
@@ -3778,10 +3929,10 @@
       </p:pic>
       <p:sp>
         <p:nvSpPr>
-          <p:cNvPr id="8" name="TextBox 7">
-            <a:extLst>
-              <a:ext uri="{FF2B5EF4-FFF2-40B4-BE49-F238E27FC236}">
-                <a16:creationId xmlns:a16="http://schemas.microsoft.com/office/drawing/2014/main" id="{F93728D8-B2AA-4949-8A36-7C5DFE62BDFB}"/>
+          <p:cNvPr id="19" name="TextBox 18">
+            <a:extLst>
+              <a:ext uri="{FF2B5EF4-FFF2-40B4-BE49-F238E27FC236}">
+                <a16:creationId xmlns:a16="http://schemas.microsoft.com/office/drawing/2014/main" id="{320F9B8F-D345-4D3D-8E2D-0809584064A0}"/>
               </a:ext>
             </a:extLst>
           </p:cNvPr>
@@ -3789,9 +3940,9 @@
           <p:nvPr/>
         </p:nvSpPr>
         <p:spPr>
-          <a:xfrm>
-            <a:off x="6597511" y="3148037"/>
-            <a:ext cx="4701865" cy="646331"/>
+          <a:xfrm rot="848212">
+            <a:off x="8318613" y="2280813"/>
+            <a:ext cx="3371499" cy="584775"/>
           </a:xfrm>
           <a:prstGeom prst="rect">
             <a:avLst/>
@@ -3799,88 +3950,128 @@
           <a:noFill/>
         </p:spPr>
         <p:txBody>
-          <a:bodyPr wrap="none" rtlCol="0">
+          <a:bodyPr wrap="square" rtlCol="0">
             <a:spAutoFit/>
           </a:bodyPr>
           <a:lstStyle/>
           <a:p>
             <a:r>
-              <a:rPr lang="en-US" b="1" dirty="0"/>
-              <a:t>“Package – Package – Python – 32 bit or    .</a:t>
-            </a:r>
-            <a:r>
-              <a:rPr lang="en-US" b="1" dirty="0" err="1"/>
-              <a:t>whl</a:t>
-            </a:r>
-            <a:r>
-              <a:rPr lang="en-US" b="1" dirty="0"/>
-              <a:t>”</a:t>
-            </a:r>
-          </a:p>
-          <a:p>
-            <a:r>
-              <a:rPr lang="en-US" b="1" dirty="0"/>
-              <a:t>  Name        Version     Version    64 bit PC</a:t>
-            </a:r>
-          </a:p>
-        </p:txBody>
-      </p:sp>
-      <p:sp>
-        <p:nvSpPr>
-          <p:cNvPr id="9" name="TextBox 8">
-            <a:extLst>
-              <a:ext uri="{FF2B5EF4-FFF2-40B4-BE49-F238E27FC236}">
-                <a16:creationId xmlns:a16="http://schemas.microsoft.com/office/drawing/2014/main" id="{5DB99219-FDFF-4E8D-A9B8-55EE0D2D899E}"/>
-              </a:ext>
-            </a:extLst>
-          </p:cNvPr>
-          <p:cNvSpPr txBox="1"/>
+              <a:rPr lang="en-US" sz="1600" b="1" dirty="0">
+                <a:latin typeface="Ink Free" panose="03080402000500000000" pitchFamily="66" charset="0"/>
+              </a:rPr>
+              <a:t>So, with a 64-bit machine and Python 3.9 I want this one</a:t>
+            </a:r>
+          </a:p>
+        </p:txBody>
+      </p:sp>
+      <p:sp>
+        <p:nvSpPr>
+          <p:cNvPr id="21" name="Freeform: Shape 20">
+            <a:extLst>
+              <a:ext uri="{FF2B5EF4-FFF2-40B4-BE49-F238E27FC236}">
+                <a16:creationId xmlns:a16="http://schemas.microsoft.com/office/drawing/2014/main" id="{D3022C28-D9BF-4EDE-BF5E-60CD756A68FA}"/>
+              </a:ext>
+            </a:extLst>
+          </p:cNvPr>
+          <p:cNvSpPr/>
           <p:nvPr/>
         </p:nvSpPr>
         <p:spPr>
           <a:xfrm>
-            <a:off x="511863" y="5579643"/>
-            <a:ext cx="6380914" cy="584775"/>
+            <a:off x="10905688" y="2894202"/>
+            <a:ext cx="1098972" cy="2516743"/>
           </a:xfrm>
-          <a:prstGeom prst="rect">
+          <a:custGeom>
             <a:avLst/>
-          </a:prstGeom>
+            <a:gdLst>
+              <a:gd name="connsiteX0" fmla="*/ 0 w 1098972"/>
+              <a:gd name="connsiteY0" fmla="*/ 0 h 2516743"/>
+              <a:gd name="connsiteX1" fmla="*/ 838899 w 1098972"/>
+              <a:gd name="connsiteY1" fmla="*/ 453005 h 2516743"/>
+              <a:gd name="connsiteX2" fmla="*/ 1098958 w 1098972"/>
+              <a:gd name="connsiteY2" fmla="*/ 1157681 h 2516743"/>
+              <a:gd name="connsiteX3" fmla="*/ 847288 w 1098972"/>
+              <a:gd name="connsiteY3" fmla="*/ 2365695 h 2516743"/>
+              <a:gd name="connsiteX4" fmla="*/ 159391 w 1098972"/>
+              <a:gd name="connsiteY4" fmla="*/ 2457974 h 2516743"/>
+            </a:gdLst>
+            <a:ahLst/>
+            <a:cxnLst>
+              <a:cxn ang="0">
+                <a:pos x="connsiteX0" y="connsiteY0"/>
+              </a:cxn>
+              <a:cxn ang="0">
+                <a:pos x="connsiteX1" y="connsiteY1"/>
+              </a:cxn>
+              <a:cxn ang="0">
+                <a:pos x="connsiteX2" y="connsiteY2"/>
+              </a:cxn>
+              <a:cxn ang="0">
+                <a:pos x="connsiteX3" y="connsiteY3"/>
+              </a:cxn>
+              <a:cxn ang="0">
+                <a:pos x="connsiteX4" y="connsiteY4"/>
+              </a:cxn>
+            </a:cxnLst>
+            <a:rect l="l" t="t" r="r" b="b"/>
+            <a:pathLst>
+              <a:path w="1098972" h="2516743">
+                <a:moveTo>
+                  <a:pt x="0" y="0"/>
+                </a:moveTo>
+                <a:cubicBezTo>
+                  <a:pt x="327869" y="130029"/>
+                  <a:pt x="655739" y="260058"/>
+                  <a:pt x="838899" y="453005"/>
+                </a:cubicBezTo>
+                <a:cubicBezTo>
+                  <a:pt x="1022059" y="645952"/>
+                  <a:pt x="1097560" y="838899"/>
+                  <a:pt x="1098958" y="1157681"/>
+                </a:cubicBezTo>
+                <a:cubicBezTo>
+                  <a:pt x="1100356" y="1476463"/>
+                  <a:pt x="1003882" y="2148980"/>
+                  <a:pt x="847288" y="2365695"/>
+                </a:cubicBezTo>
+                <a:cubicBezTo>
+                  <a:pt x="690694" y="2582410"/>
+                  <a:pt x="425042" y="2520192"/>
+                  <a:pt x="159391" y="2457974"/>
+                </a:cubicBezTo>
+              </a:path>
+            </a:pathLst>
+          </a:custGeom>
           <a:noFill/>
+          <a:ln>
+            <a:solidFill>
+              <a:schemeClr val="tx1"/>
+            </a:solidFill>
+            <a:tailEnd type="stealth" w="lg" len="lg"/>
+          </a:ln>
         </p:spPr>
-        <p:txBody>
-          <a:bodyPr wrap="none" rtlCol="0">
-            <a:spAutoFit/>
-          </a:bodyPr>
-          <a:lstStyle/>
-          <a:p>
-            <a:r>
-              <a:rPr lang="en-US" sz="3200" dirty="0"/>
-              <a:t>Do this for </a:t>
-            </a:r>
-            <a:r>
-              <a:rPr lang="en-US" sz="3200" b="1" dirty="0"/>
-              <a:t>GDAL</a:t>
-            </a:r>
-            <a:r>
-              <a:rPr lang="en-US" sz="3200" dirty="0"/>
-              <a:t> </a:t>
-            </a:r>
-            <a:r>
-              <a:rPr lang="en-US" sz="3200" i="1" u="sng" dirty="0"/>
-              <a:t>first</a:t>
-            </a:r>
-            <a:r>
-              <a:rPr lang="en-US" sz="3200" dirty="0"/>
-              <a:t> and then </a:t>
-            </a:r>
-            <a:r>
-              <a:rPr lang="en-US" sz="3200" b="1" dirty="0" err="1"/>
-              <a:t>fiona</a:t>
-            </a:r>
-            <a:r>
-              <a:rPr lang="en-US" sz="3200" dirty="0"/>
-              <a:t>!</a:t>
-            </a:r>
+        <p:style>
+          <a:lnRef idx="2">
+            <a:schemeClr val="accent1">
+              <a:shade val="50000"/>
+            </a:schemeClr>
+          </a:lnRef>
+          <a:fillRef idx="1">
+            <a:schemeClr val="accent1"/>
+          </a:fillRef>
+          <a:effectRef idx="0">
+            <a:schemeClr val="accent1"/>
+          </a:effectRef>
+          <a:fontRef idx="minor">
+            <a:schemeClr val="lt1"/>
+          </a:fontRef>
+        </p:style>
+        <p:txBody>
+          <a:bodyPr rtlCol="0" anchor="ctr"/>
+          <a:lstStyle/>
+          <a:p>
+            <a:pPr algn="ctr"/>
+            <a:endParaRPr lang="en-US"/>
           </a:p>
         </p:txBody>
       </p:sp>
@@ -3898,6 +4089,158 @@
 </file>
 
 <file path=ppt/slides/slide4.xml><?xml version="1.0" encoding="utf-8"?>
+<p:sld xmlns:a="http://schemas.openxmlformats.org/drawingml/2006/main" xmlns:r="http://schemas.openxmlformats.org/officeDocument/2006/relationships" xmlns:p="http://schemas.openxmlformats.org/presentationml/2006/main">
+  <p:cSld>
+    <p:spTree>
+      <p:nvGrpSpPr>
+        <p:cNvPr id="1" name=""/>
+        <p:cNvGrpSpPr/>
+        <p:nvPr/>
+      </p:nvGrpSpPr>
+      <p:grpSpPr>
+        <a:xfrm>
+          <a:off x="0" y="0"/>
+          <a:ext cx="0" cy="0"/>
+          <a:chOff x="0" y="0"/>
+          <a:chExt cx="0" cy="0"/>
+        </a:xfrm>
+      </p:grpSpPr>
+      <p:pic>
+        <p:nvPicPr>
+          <p:cNvPr id="5" name="Picture 4">
+            <a:extLst>
+              <a:ext uri="{FF2B5EF4-FFF2-40B4-BE49-F238E27FC236}">
+                <a16:creationId xmlns:a16="http://schemas.microsoft.com/office/drawing/2014/main" id="{447D3EB6-8EA5-4906-AA5F-F612361EBDCB}"/>
+              </a:ext>
+            </a:extLst>
+          </p:cNvPr>
+          <p:cNvPicPr>
+            <a:picLocks noChangeAspect="1"/>
+          </p:cNvPicPr>
+          <p:nvPr/>
+        </p:nvPicPr>
+        <p:blipFill>
+          <a:blip r:embed="rId2"/>
+          <a:stretch>
+            <a:fillRect/>
+          </a:stretch>
+        </p:blipFill>
+        <p:spPr>
+          <a:xfrm>
+            <a:off x="881062" y="947737"/>
+            <a:ext cx="10429875" cy="4962525"/>
+          </a:xfrm>
+          <a:prstGeom prst="rect">
+            <a:avLst/>
+          </a:prstGeom>
+        </p:spPr>
+      </p:pic>
+      <p:sp>
+        <p:nvSpPr>
+          <p:cNvPr id="6" name="Arrow: Right 5">
+            <a:extLst>
+              <a:ext uri="{FF2B5EF4-FFF2-40B4-BE49-F238E27FC236}">
+                <a16:creationId xmlns:a16="http://schemas.microsoft.com/office/drawing/2014/main" id="{7A650A65-C759-4B2D-BAA4-501437C7F648}"/>
+              </a:ext>
+            </a:extLst>
+          </p:cNvPr>
+          <p:cNvSpPr/>
+          <p:nvPr/>
+        </p:nvSpPr>
+        <p:spPr>
+          <a:xfrm>
+            <a:off x="140083" y="1529255"/>
+            <a:ext cx="740979" cy="488731"/>
+          </a:xfrm>
+          <a:prstGeom prst="rightArrow">
+            <a:avLst/>
+          </a:prstGeom>
+        </p:spPr>
+        <p:style>
+          <a:lnRef idx="2">
+            <a:schemeClr val="accent1">
+              <a:shade val="50000"/>
+            </a:schemeClr>
+          </a:lnRef>
+          <a:fillRef idx="1">
+            <a:schemeClr val="accent1"/>
+          </a:fillRef>
+          <a:effectRef idx="0">
+            <a:schemeClr val="accent1"/>
+          </a:effectRef>
+          <a:fontRef idx="minor">
+            <a:schemeClr val="lt1"/>
+          </a:fontRef>
+        </p:style>
+        <p:txBody>
+          <a:bodyPr rtlCol="0" anchor="ctr"/>
+          <a:lstStyle/>
+          <a:p>
+            <a:pPr algn="ctr"/>
+            <a:endParaRPr lang="en-US"/>
+          </a:p>
+        </p:txBody>
+      </p:sp>
+      <p:sp>
+        <p:nvSpPr>
+          <p:cNvPr id="7" name="Arrow: Right 6">
+            <a:extLst>
+              <a:ext uri="{FF2B5EF4-FFF2-40B4-BE49-F238E27FC236}">
+                <a16:creationId xmlns:a16="http://schemas.microsoft.com/office/drawing/2014/main" id="{387E0865-C4E8-4819-9734-53DAAE3D155B}"/>
+              </a:ext>
+            </a:extLst>
+          </p:cNvPr>
+          <p:cNvSpPr/>
+          <p:nvPr/>
+        </p:nvSpPr>
+        <p:spPr>
+          <a:xfrm>
+            <a:off x="140082" y="5196923"/>
+            <a:ext cx="740979" cy="488731"/>
+          </a:xfrm>
+          <a:prstGeom prst="rightArrow">
+            <a:avLst/>
+          </a:prstGeom>
+        </p:spPr>
+        <p:style>
+          <a:lnRef idx="2">
+            <a:schemeClr val="accent1">
+              <a:shade val="50000"/>
+            </a:schemeClr>
+          </a:lnRef>
+          <a:fillRef idx="1">
+            <a:schemeClr val="accent1"/>
+          </a:fillRef>
+          <a:effectRef idx="0">
+            <a:schemeClr val="accent1"/>
+          </a:effectRef>
+          <a:fontRef idx="minor">
+            <a:schemeClr val="lt1"/>
+          </a:fontRef>
+        </p:style>
+        <p:txBody>
+          <a:bodyPr rtlCol="0" anchor="ctr"/>
+          <a:lstStyle/>
+          <a:p>
+            <a:pPr algn="ctr"/>
+            <a:endParaRPr lang="en-US"/>
+          </a:p>
+        </p:txBody>
+      </p:sp>
+    </p:spTree>
+    <p:extLst>
+      <p:ext uri="{BB962C8B-B14F-4D97-AF65-F5344CB8AC3E}">
+        <p14:creationId xmlns:p14="http://schemas.microsoft.com/office/powerpoint/2010/main" val="662489829"/>
+      </p:ext>
+    </p:extLst>
+  </p:cSld>
+  <p:clrMapOvr>
+    <a:masterClrMapping/>
+  </p:clrMapOvr>
+</p:sld>
+</file>
+
+<file path=ppt/slides/slide5.xml><?xml version="1.0" encoding="utf-8"?>
 <p:sld xmlns:a="http://schemas.openxmlformats.org/drawingml/2006/main" xmlns:r="http://schemas.openxmlformats.org/officeDocument/2006/relationships" xmlns:p="http://schemas.openxmlformats.org/presentationml/2006/main">
   <p:cSld>
     <p:spTree>
